--- a/DbaseInteractionsTesting.Next.pptx
+++ b/DbaseInteractionsTesting.Next.pptx
@@ -275,7 +275,7 @@
           <a:p>
             <a:fld id="{413C5D85-733F-4DA0-8937-915883061A50}" type="datetimeFigureOut">
               <a:rPr lang="en-US" smtClean="0"/>
-              <a:t>11/5/2022</a:t>
+              <a:t>11/16/2022</a:t>
             </a:fld>
             <a:endParaRPr lang="en-US" dirty="0"/>
           </a:p>
@@ -7718,6 +7718,43 @@
             </a:r>
           </a:p>
           <a:p>
+            <a:endParaRPr lang="ru-RU" dirty="0"/>
+          </a:p>
+          <a:p>
+            <a:r>
+              <a:rPr lang="ru-RU" dirty="0"/>
+              <a:t>Есть 2 решения про </a:t>
+            </a:r>
+            <a:r>
+              <a:rPr lang="ru-RU" dirty="0" err="1"/>
+              <a:t>тестконтейнеры</a:t>
+            </a:r>
+            <a:r>
+              <a:rPr lang="ru-RU" dirty="0"/>
+              <a:t>, развиваются оба</a:t>
+            </a:r>
+          </a:p>
+          <a:p>
+            <a:r>
+              <a:rPr lang="ru-RU" dirty="0"/>
+              <a:t>- https://github.com/isen-ng/testcontainers-dotnet – более похож на оригинал</a:t>
+            </a:r>
+          </a:p>
+          <a:p>
+            <a:r>
+              <a:rPr lang="ru-RU" dirty="0"/>
+              <a:t>- https://github.com/testcontainers/testcontainers-dotnet – больше пользователей и более </a:t>
+            </a:r>
+            <a:r>
+              <a:rPr lang="ru-RU"/>
+              <a:t>дотнетовый</a:t>
+            </a:r>
+            <a:endParaRPr lang="ru-RU" dirty="0"/>
+          </a:p>
+          <a:p>
+            <a:endParaRPr lang="ru-RU" dirty="0"/>
+          </a:p>
+          <a:p>
             <a:endParaRPr lang="en-US" dirty="0"/>
           </a:p>
         </p:txBody>
@@ -9538,7 +9575,7 @@
           <a:p>
             <a:fld id="{EC0DF3D3-6BDF-454E-BD7B-257CB6720A5E}" type="datetime11">
               <a:rPr lang="en-US" smtClean="0"/>
-              <a:t>11:33:55</a:t>
+              <a:t>23:17:07</a:t>
             </a:fld>
             <a:endParaRPr lang="en-US" dirty="0"/>
           </a:p>
@@ -9736,7 +9773,7 @@
           <a:p>
             <a:fld id="{E5B678C6-0BA8-421F-921F-6B65E458163B}" type="datetime11">
               <a:rPr lang="en-US" smtClean="0"/>
-              <a:t>11:33:55</a:t>
+              <a:t>23:17:08</a:t>
             </a:fld>
             <a:endParaRPr lang="en-US" dirty="0"/>
           </a:p>
@@ -9944,7 +9981,7 @@
           <a:p>
             <a:fld id="{26C62F2E-527A-4D85-840E-1C3C7A3548DF}" type="datetime11">
               <a:rPr lang="en-US" smtClean="0"/>
-              <a:t>11:33:55</a:t>
+              <a:t>23:17:08</a:t>
             </a:fld>
             <a:endParaRPr lang="en-US" dirty="0"/>
           </a:p>
@@ -10155,7 +10192,7 @@
           <a:p>
             <a:fld id="{C6F9D492-1E6E-4290-89AF-43CFA1B9B110}" type="datetime11">
               <a:rPr lang="en-US" smtClean="0"/>
-              <a:t>11:33:55</a:t>
+              <a:t>23:17:08</a:t>
             </a:fld>
             <a:endParaRPr lang="en-US" dirty="0"/>
           </a:p>
@@ -10438,7 +10475,7 @@
           <a:p>
             <a:fld id="{CF29D22A-5489-402B-8C10-5D36CDCE1601}" type="datetime11">
               <a:rPr lang="en-US" smtClean="0"/>
-              <a:t>11:33:55</a:t>
+              <a:t>23:17:08</a:t>
             </a:fld>
             <a:endParaRPr lang="en-US" dirty="0"/>
           </a:p>
@@ -10703,7 +10740,7 @@
           <a:p>
             <a:fld id="{9AC4480C-5A02-454D-BB93-3497C9306AA9}" type="datetime11">
               <a:rPr lang="en-US" smtClean="0"/>
-              <a:t>11:33:55</a:t>
+              <a:t>23:17:08</a:t>
             </a:fld>
             <a:endParaRPr lang="en-US" dirty="0"/>
           </a:p>
@@ -11115,7 +11152,7 @@
           <a:p>
             <a:fld id="{45E661A6-E59E-4374-8D4F-B5A3D29A3452}" type="datetime11">
               <a:rPr lang="en-US" smtClean="0"/>
-              <a:t>11:33:55</a:t>
+              <a:t>23:17:08</a:t>
             </a:fld>
             <a:endParaRPr lang="en-US" dirty="0"/>
           </a:p>
@@ -11256,7 +11293,7 @@
           <a:p>
             <a:fld id="{A7E1DF95-5940-4137-9592-ABF9491B1D54}" type="datetime11">
               <a:rPr lang="en-US" smtClean="0"/>
-              <a:t>11:33:55</a:t>
+              <a:t>23:17:08</a:t>
             </a:fld>
             <a:endParaRPr lang="en-US" dirty="0"/>
           </a:p>
@@ -11369,7 +11406,7 @@
           <a:p>
             <a:fld id="{0C393338-0247-4DAF-B748-75C9C9CEBADA}" type="datetime11">
               <a:rPr lang="en-US" smtClean="0"/>
-              <a:t>11:33:55</a:t>
+              <a:t>23:17:08</a:t>
             </a:fld>
             <a:endParaRPr lang="en-US" dirty="0"/>
           </a:p>
@@ -11680,7 +11717,7 @@
           <a:p>
             <a:fld id="{D805FC4B-CBC6-4D81-880D-A0BE66ACADEB}" type="datetime11">
               <a:rPr lang="en-US" smtClean="0"/>
-              <a:t>11:33:55</a:t>
+              <a:t>23:17:08</a:t>
             </a:fld>
             <a:endParaRPr lang="en-US" dirty="0"/>
           </a:p>
@@ -11968,7 +12005,7 @@
           <a:p>
             <a:fld id="{A78DC593-E03F-4BC7-954A-271DE9AF240C}" type="datetime11">
               <a:rPr lang="en-US" smtClean="0"/>
-              <a:t>11:33:55</a:t>
+              <a:t>23:17:08</a:t>
             </a:fld>
             <a:endParaRPr lang="en-US" dirty="0"/>
           </a:p>
@@ -12218,7 +12255,7 @@
           <a:p>
             <a:fld id="{C05C4BE0-CE6D-4AEB-9CE4-D6250A65E8BB}" type="datetime11">
               <a:rPr lang="en-US" smtClean="0"/>
-              <a:t>11:33:55</a:t>
+              <a:t>23:17:07</a:t>
             </a:fld>
             <a:endParaRPr lang="en-US" dirty="0"/>
           </a:p>
@@ -42421,6 +42458,19 @@
               <a:t>https://wrapt.dev/blog/integration-tests-using-sql-server-db-in-docker</a:t>
             </a:r>
             <a:endParaRPr lang="en-US" dirty="0"/>
+          </a:p>
+          <a:p>
+            <a:r>
+              <a:rPr lang="ru-RU" dirty="0"/>
+              <a:t>О правильной версии </a:t>
+            </a:r>
+            <a:r>
+              <a:rPr lang="en-US" dirty="0">
+                <a:hlinkClick r:id="rId5"/>
+              </a:rPr>
+              <a:t>https://medium.com/@guriysamarin/which-version-of-testcontainers-dotnet-should-i-use-or-little-oss-story-9ed3ad77ef17</a:t>
+            </a:r>
+            <a:endParaRPr lang="ru-RU" dirty="0"/>
           </a:p>
           <a:p>
             <a:endParaRPr lang="en-US" dirty="0"/>
